--- a/통계 빅데이터 공모전_2019/ppt/주제발표(1조)_JWP.pptx
+++ b/통계 빅데이터 공모전_2019/ppt/주제발표(1조)_JWP.pptx
@@ -12,9 +12,8 @@
     <p:sldId id="275" r:id="rId6"/>
     <p:sldId id="276" r:id="rId7"/>
     <p:sldId id="272" r:id="rId8"/>
-    <p:sldId id="277" r:id="rId9"/>
-    <p:sldId id="278" r:id="rId10"/>
-    <p:sldId id="280" r:id="rId11"/>
+    <p:sldId id="278" r:id="rId9"/>
+    <p:sldId id="280" r:id="rId10"/>
   </p:sldIdLst>
   <p:sldSz cx="12192000" cy="6858000"/>
   <p:notesSz cx="6858000" cy="9144000"/>
@@ -115,7 +114,7 @@
   </p:defaultTextStyle>
   <p:extLst>
     <p:ext uri="{EFAFB233-063F-42B5-8137-9DF3F51BA10A}">
-      <p15:sldGuideLst xmlns:p15="http://schemas.microsoft.com/office/powerpoint/2012/main">
+      <p15:sldGuideLst xmlns:p15="http://schemas.microsoft.com/office/powerpoint/2012/main" xmlns="">
         <p15:guide id="1" orient="horz" pos="2160" userDrawn="1">
           <p15:clr>
             <a:srgbClr val="A4A3A4"/>
@@ -313,7 +312,7 @@
           <a:p>
             <a:fld id="{54B210CC-33DC-437C-A00D-517E7665BE28}" type="datetimeFigureOut">
               <a:rPr lang="ko-KR" altLang="en-US" smtClean="0"/>
-              <a:t>2019-07-10</a:t>
+              <a:t>2019-07-11</a:t>
             </a:fld>
             <a:endParaRPr lang="ko-KR" altLang="en-US"/>
           </a:p>
@@ -483,7 +482,7 @@
           <a:p>
             <a:fld id="{54B210CC-33DC-437C-A00D-517E7665BE28}" type="datetimeFigureOut">
               <a:rPr lang="ko-KR" altLang="en-US" smtClean="0"/>
-              <a:t>2019-07-10</a:t>
+              <a:t>2019-07-11</a:t>
             </a:fld>
             <a:endParaRPr lang="ko-KR" altLang="en-US"/>
           </a:p>
@@ -663,7 +662,7 @@
           <a:p>
             <a:fld id="{54B210CC-33DC-437C-A00D-517E7665BE28}" type="datetimeFigureOut">
               <a:rPr lang="ko-KR" altLang="en-US" smtClean="0"/>
-              <a:t>2019-07-10</a:t>
+              <a:t>2019-07-11</a:t>
             </a:fld>
             <a:endParaRPr lang="ko-KR" altLang="en-US"/>
           </a:p>
@@ -833,7 +832,7 @@
           <a:p>
             <a:fld id="{54B210CC-33DC-437C-A00D-517E7665BE28}" type="datetimeFigureOut">
               <a:rPr lang="ko-KR" altLang="en-US" smtClean="0"/>
-              <a:t>2019-07-10</a:t>
+              <a:t>2019-07-11</a:t>
             </a:fld>
             <a:endParaRPr lang="ko-KR" altLang="en-US"/>
           </a:p>
@@ -1079,7 +1078,7 @@
           <a:p>
             <a:fld id="{54B210CC-33DC-437C-A00D-517E7665BE28}" type="datetimeFigureOut">
               <a:rPr lang="ko-KR" altLang="en-US" smtClean="0"/>
-              <a:t>2019-07-10</a:t>
+              <a:t>2019-07-11</a:t>
             </a:fld>
             <a:endParaRPr lang="ko-KR" altLang="en-US"/>
           </a:p>
@@ -1367,7 +1366,7 @@
           <a:p>
             <a:fld id="{54B210CC-33DC-437C-A00D-517E7665BE28}" type="datetimeFigureOut">
               <a:rPr lang="ko-KR" altLang="en-US" smtClean="0"/>
-              <a:t>2019-07-10</a:t>
+              <a:t>2019-07-11</a:t>
             </a:fld>
             <a:endParaRPr lang="ko-KR" altLang="en-US"/>
           </a:p>
@@ -1789,7 +1788,7 @@
           <a:p>
             <a:fld id="{54B210CC-33DC-437C-A00D-517E7665BE28}" type="datetimeFigureOut">
               <a:rPr lang="ko-KR" altLang="en-US" smtClean="0"/>
-              <a:t>2019-07-10</a:t>
+              <a:t>2019-07-11</a:t>
             </a:fld>
             <a:endParaRPr lang="ko-KR" altLang="en-US"/>
           </a:p>
@@ -1907,7 +1906,7 @@
           <a:p>
             <a:fld id="{54B210CC-33DC-437C-A00D-517E7665BE28}" type="datetimeFigureOut">
               <a:rPr lang="ko-KR" altLang="en-US" smtClean="0"/>
-              <a:t>2019-07-10</a:t>
+              <a:t>2019-07-11</a:t>
             </a:fld>
             <a:endParaRPr lang="ko-KR" altLang="en-US"/>
           </a:p>
@@ -2002,7 +2001,7 @@
           <a:p>
             <a:fld id="{54B210CC-33DC-437C-A00D-517E7665BE28}" type="datetimeFigureOut">
               <a:rPr lang="ko-KR" altLang="en-US" smtClean="0"/>
-              <a:t>2019-07-10</a:t>
+              <a:t>2019-07-11</a:t>
             </a:fld>
             <a:endParaRPr lang="ko-KR" altLang="en-US"/>
           </a:p>
@@ -2279,7 +2278,7 @@
           <a:p>
             <a:fld id="{54B210CC-33DC-437C-A00D-517E7665BE28}" type="datetimeFigureOut">
               <a:rPr lang="ko-KR" altLang="en-US" smtClean="0"/>
-              <a:t>2019-07-10</a:t>
+              <a:t>2019-07-11</a:t>
             </a:fld>
             <a:endParaRPr lang="ko-KR" altLang="en-US"/>
           </a:p>
@@ -2532,7 +2531,7 @@
           <a:p>
             <a:fld id="{54B210CC-33DC-437C-A00D-517E7665BE28}" type="datetimeFigureOut">
               <a:rPr lang="ko-KR" altLang="en-US" smtClean="0"/>
-              <a:t>2019-07-10</a:t>
+              <a:t>2019-07-11</a:t>
             </a:fld>
             <a:endParaRPr lang="ko-KR" altLang="en-US"/>
           </a:p>
@@ -2745,7 +2744,7 @@
           <a:p>
             <a:fld id="{54B210CC-33DC-437C-A00D-517E7665BE28}" type="datetimeFigureOut">
               <a:rPr lang="ko-KR" altLang="en-US" smtClean="0"/>
-              <a:t>2019-07-10</a:t>
+              <a:t>2019-07-11</a:t>
             </a:fld>
             <a:endParaRPr lang="ko-KR" altLang="en-US"/>
           </a:p>
@@ -3385,14 +3384,6 @@
               </a:rPr>
               <a:t>!</a:t>
             </a:r>
-            <a:endParaRPr lang="en-US" altLang="ko-KR" sz="5400" b="1" dirty="0">
-              <a:solidFill>
-                <a:schemeClr val="bg1"/>
-              </a:solidFill>
-              <a:latin typeface="HY견고딕" panose="02030600000101010101" pitchFamily="18" charset="-127"/>
-              <a:ea typeface="HY견고딕" panose="02030600000101010101" pitchFamily="18" charset="-127"/>
-              <a:cs typeface="Arial" panose="020B0604020202020204" pitchFamily="34" charset="0"/>
-            </a:endParaRPr>
           </a:p>
         </p:txBody>
       </p:sp>
@@ -3489,19 +3480,7 @@
                 <a:latin typeface="Calibri" panose="020F0502020204030204" pitchFamily="34" charset="0"/>
                 <a:cs typeface="Calibri" panose="020F0502020204030204" pitchFamily="34" charset="0"/>
               </a:rPr>
-              <a:t>빅데이터 </a:t>
-            </a:r>
-            <a:r>
-              <a:rPr lang="ko-KR" altLang="en-US" b="1" dirty="0" smtClean="0">
-                <a:solidFill>
-                  <a:schemeClr val="bg2">
-                    <a:lumMod val="90000"/>
-                  </a:schemeClr>
-                </a:solidFill>
-                <a:latin typeface="Calibri" panose="020F0502020204030204" pitchFamily="34" charset="0"/>
-                <a:cs typeface="Calibri" panose="020F0502020204030204" pitchFamily="34" charset="0"/>
-              </a:rPr>
-              <a:t>전문가 양성과정</a:t>
+              <a:t>빅데이터 전문가 양성과정</a:t>
             </a:r>
             <a:endParaRPr lang="en-US" altLang="ko-KR" b="1" dirty="0" smtClean="0">
               <a:solidFill>
@@ -3702,129 +3681,6 @@
     <p:extLst>
       <p:ext uri="{BB962C8B-B14F-4D97-AF65-F5344CB8AC3E}">
         <p14:creationId xmlns:p14="http://schemas.microsoft.com/office/powerpoint/2010/main" val="1692416298"/>
-      </p:ext>
-    </p:extLst>
-  </p:cSld>
-  <p:clrMapOvr>
-    <a:masterClrMapping/>
-  </p:clrMapOvr>
-  <p:timing>
-    <p:tnLst>
-      <p:par>
-        <p:cTn id="1" dur="indefinite" restart="never" nodeType="tmRoot"/>
-      </p:par>
-    </p:tnLst>
-  </p:timing>
-</p:sld>
-</file>
-
-<file path=ppt/slides/slide10.xml><?xml version="1.0" encoding="utf-8"?>
-<p:sld xmlns:a="http://schemas.openxmlformats.org/drawingml/2006/main" xmlns:r="http://schemas.openxmlformats.org/officeDocument/2006/relationships" xmlns:p="http://schemas.openxmlformats.org/presentationml/2006/main">
-  <p:cSld>
-    <p:spTree>
-      <p:nvGrpSpPr>
-        <p:cNvPr id="1" name=""/>
-        <p:cNvGrpSpPr/>
-        <p:nvPr/>
-      </p:nvGrpSpPr>
-      <p:grpSpPr>
-        <a:xfrm>
-          <a:off x="0" y="0"/>
-          <a:ext cx="0" cy="0"/>
-          <a:chOff x="0" y="0"/>
-          <a:chExt cx="0" cy="0"/>
-        </a:xfrm>
-      </p:grpSpPr>
-      <p:pic>
-        <p:nvPicPr>
-          <p:cNvPr id="1026" name="Picture 2" descr="http://www.userlogos.org/files/backgrounds/Mafia_Penguin/magnetic-field-lines.jpg"/>
-          <p:cNvPicPr>
-            <a:picLocks noChangeAspect="1" noChangeArrowheads="1"/>
-          </p:cNvPicPr>
-          <p:nvPr/>
-        </p:nvPicPr>
-        <p:blipFill>
-          <a:blip r:embed="rId2" cstate="print">
-            <a:clrChange>
-              <a:clrFrom>
-                <a:srgbClr val="01090B"/>
-              </a:clrFrom>
-              <a:clrTo>
-                <a:srgbClr val="01090B">
-                  <a:alpha val="0"/>
-                </a:srgbClr>
-              </a:clrTo>
-            </a:clrChange>
-            <a:extLst>
-              <a:ext uri="{28A0092B-C50C-407E-A947-70E740481C1C}">
-                <a14:useLocalDpi xmlns:a14="http://schemas.microsoft.com/office/drawing/2010/main" val="0"/>
-              </a:ext>
-            </a:extLst>
-          </a:blip>
-          <a:srcRect/>
-          <a:stretch>
-            <a:fillRect/>
-          </a:stretch>
-        </p:blipFill>
-        <p:spPr bwMode="auto">
-          <a:xfrm>
-            <a:off x="5965732" y="0"/>
-            <a:ext cx="6226268" cy="4669701"/>
-          </a:xfrm>
-          <a:prstGeom prst="rect">
-            <a:avLst/>
-          </a:prstGeom>
-          <a:noFill/>
-          <a:extLst>
-            <a:ext uri="{909E8E84-426E-40DD-AFC4-6F175D3DCCD1}">
-              <a14:hiddenFill xmlns:a14="http://schemas.microsoft.com/office/drawing/2010/main">
-                <a:solidFill>
-                  <a:srgbClr val="FFFFFF"/>
-                </a:solidFill>
-              </a14:hiddenFill>
-            </a:ext>
-          </a:extLst>
-        </p:spPr>
-      </p:pic>
-      <p:sp>
-        <p:nvSpPr>
-          <p:cNvPr id="7" name="TextBox 6"/>
-          <p:cNvSpPr txBox="1"/>
-          <p:nvPr/>
-        </p:nvSpPr>
-        <p:spPr>
-          <a:xfrm>
-            <a:off x="1415480" y="3436094"/>
-            <a:ext cx="7409401" cy="1446550"/>
-          </a:xfrm>
-          <a:prstGeom prst="rect">
-            <a:avLst/>
-          </a:prstGeom>
-          <a:noFill/>
-        </p:spPr>
-        <p:txBody>
-          <a:bodyPr wrap="none" rtlCol="0">
-            <a:spAutoFit/>
-          </a:bodyPr>
-          <a:lstStyle/>
-          <a:p>
-            <a:pPr algn="r"/>
-            <a:r>
-              <a:rPr lang="en-US" sz="8800" dirty="0" smtClean="0">
-                <a:latin typeface="Impact" panose="020B0806030902050204" pitchFamily="34" charset="0"/>
-              </a:rPr>
-              <a:t>THANK YOU, BYE!</a:t>
-            </a:r>
-            <a:endParaRPr lang="en-US" sz="8800" dirty="0">
-              <a:latin typeface="Impact" panose="020B0806030902050204" pitchFamily="34" charset="0"/>
-            </a:endParaRPr>
-          </a:p>
-        </p:txBody>
-      </p:sp>
-    </p:spTree>
-    <p:extLst>
-      <p:ext uri="{BB962C8B-B14F-4D97-AF65-F5344CB8AC3E}">
-        <p14:creationId xmlns:p14="http://schemas.microsoft.com/office/powerpoint/2010/main" val="1121797827"/>
       </p:ext>
     </p:extLst>
   </p:cSld>
@@ -6260,17 +6116,7 @@
                 <a:latin typeface="Arial" panose="020B0604020202020204" pitchFamily="34" charset="0"/>
                 <a:cs typeface="Arial" panose="020B0604020202020204" pitchFamily="34" charset="0"/>
               </a:rPr>
-              <a:t>’</a:t>
-            </a:r>
-            <a:r>
-              <a:rPr lang="en-US" altLang="ko-KR" sz="2200" b="1" spc="-140" dirty="0" smtClean="0">
-                <a:solidFill>
-                  <a:schemeClr val="tx1"/>
-                </a:solidFill>
-                <a:latin typeface="Arial" panose="020B0604020202020204" pitchFamily="34" charset="0"/>
-                <a:cs typeface="Arial" panose="020B0604020202020204" pitchFamily="34" charset="0"/>
-              </a:rPr>
-              <a:t> </a:t>
+              <a:t>’ </a:t>
             </a:r>
             <a:r>
               <a:rPr lang="ko-KR" altLang="en-US" sz="2200" b="1" spc="-140" dirty="0" smtClean="0">
@@ -7017,13 +6863,6 @@
                 </a:rPr>
                 <a:t>30.4%</a:t>
               </a:r>
-              <a:endParaRPr lang="en-US" altLang="ko-KR" sz="2800" b="1" dirty="0" smtClean="0">
-                <a:solidFill>
-                  <a:srgbClr val="FF0066"/>
-                </a:solidFill>
-                <a:latin typeface="Arial" panose="020B0604020202020204" pitchFamily="34" charset="0"/>
-                <a:cs typeface="Arial" panose="020B0604020202020204" pitchFamily="34" charset="0"/>
-              </a:endParaRPr>
             </a:p>
           </p:txBody>
         </p:sp>
@@ -7948,13 +7787,6 @@
                 </a:rPr>
                 <a:t>30.4%</a:t>
               </a:r>
-              <a:endParaRPr lang="en-US" altLang="ko-KR" sz="2800" b="1" dirty="0" smtClean="0">
-                <a:solidFill>
-                  <a:srgbClr val="FF0066"/>
-                </a:solidFill>
-                <a:latin typeface="Arial" panose="020B0604020202020204" pitchFamily="34" charset="0"/>
-                <a:cs typeface="Arial" panose="020B0604020202020204" pitchFamily="34" charset="0"/>
-              </a:endParaRPr>
             </a:p>
           </p:txBody>
         </p:sp>
@@ -9309,17 +9141,7 @@
                   <a:latin typeface="Arial" panose="020B0604020202020204" pitchFamily="34" charset="0"/>
                   <a:cs typeface="Arial" panose="020B0604020202020204" pitchFamily="34" charset="0"/>
                 </a:rPr>
-                <a:t>)</a:t>
-              </a:r>
-              <a:r>
-                <a:rPr lang="en-US" altLang="ko-KR" sz="2400" b="1" dirty="0" smtClean="0">
-                  <a:solidFill>
-                    <a:schemeClr val="tx1"/>
-                  </a:solidFill>
-                  <a:latin typeface="Arial" panose="020B0604020202020204" pitchFamily="34" charset="0"/>
-                  <a:cs typeface="Arial" panose="020B0604020202020204" pitchFamily="34" charset="0"/>
-                </a:rPr>
-                <a:t>:</a:t>
+                <a:t>):</a:t>
               </a:r>
               <a:r>
                 <a:rPr lang="en-US" altLang="ko-KR" sz="2400" dirty="0" smtClean="0">
@@ -10104,16 +9926,6 @@
                 </a:rPr>
                 <a:t>:</a:t>
               </a:r>
-              <a:r>
-                <a:rPr lang="en-US" altLang="ko-KR" sz="2400" b="1" dirty="0" smtClean="0">
-                  <a:solidFill>
-                    <a:schemeClr val="tx1"/>
-                  </a:solidFill>
-                  <a:latin typeface="Arial" panose="020B0604020202020204" pitchFamily="34" charset="0"/>
-                  <a:cs typeface="Arial" panose="020B0604020202020204" pitchFamily="34" charset="0"/>
-                </a:rPr>
-                <a:t/>
-              </a:r>
               <a:br>
                 <a:rPr lang="en-US" altLang="ko-KR" sz="2400" b="1" dirty="0" smtClean="0">
                   <a:solidFill>
@@ -10243,15 +10055,6 @@
                 </a:rPr>
                 <a:t>API)</a:t>
               </a:r>
-              <a:endParaRPr lang="en-US" altLang="ko-KR" sz="2000" dirty="0" smtClean="0">
-                <a:solidFill>
-                  <a:schemeClr val="bg1">
-                    <a:lumMod val="50000"/>
-                  </a:schemeClr>
-                </a:solidFill>
-                <a:latin typeface="Arial" panose="020B0604020202020204" pitchFamily="34" charset="0"/>
-                <a:cs typeface="Arial" panose="020B0604020202020204" pitchFamily="34" charset="0"/>
-              </a:endParaRPr>
             </a:p>
             <a:p>
               <a:pPr marL="342900" indent="-342900">
@@ -10555,385 +10358,7 @@
               <a:rPr lang="ko-KR" altLang="en-US" sz="2800" b="1" dirty="0" smtClean="0">
                 <a:latin typeface="+mj-lt"/>
               </a:rPr>
-              <a:t>분석 </a:t>
-            </a:r>
-            <a:r>
-              <a:rPr lang="ko-KR" altLang="en-US" sz="2800" b="1" dirty="0" smtClean="0">
-                <a:latin typeface="+mj-lt"/>
-              </a:rPr>
-              <a:t>기법 소개</a:t>
-            </a:r>
-            <a:endParaRPr lang="en-US" altLang="ko-KR" sz="2800" b="1" dirty="0">
-              <a:latin typeface="+mj-lt"/>
-            </a:endParaRPr>
-          </a:p>
-        </p:txBody>
-      </p:sp>
-      <p:pic>
-        <p:nvPicPr>
-          <p:cNvPr id="2" name="그림 1"/>
-          <p:cNvPicPr>
-            <a:picLocks noChangeAspect="1"/>
-          </p:cNvPicPr>
-          <p:nvPr/>
-        </p:nvPicPr>
-        <p:blipFill>
-          <a:blip r:embed="rId2"/>
-          <a:stretch>
-            <a:fillRect/>
-          </a:stretch>
-        </p:blipFill>
-        <p:spPr>
-          <a:xfrm>
-            <a:off x="251113" y="687114"/>
-            <a:ext cx="11689773" cy="4542086"/>
-          </a:xfrm>
-          <a:prstGeom prst="rect">
-            <a:avLst/>
-          </a:prstGeom>
-        </p:spPr>
-      </p:pic>
-      <p:sp>
-        <p:nvSpPr>
-          <p:cNvPr id="10" name="모서리가 둥근 직사각형 9"/>
-          <p:cNvSpPr/>
-          <p:nvPr/>
-        </p:nvSpPr>
-        <p:spPr>
-          <a:xfrm>
-            <a:off x="1308496" y="5274124"/>
-            <a:ext cx="9575008" cy="1385755"/>
-          </a:xfrm>
-          <a:prstGeom prst="roundRect">
-            <a:avLst>
-              <a:gd name="adj" fmla="val 50000"/>
-            </a:avLst>
-          </a:prstGeom>
-          <a:solidFill>
-            <a:schemeClr val="bg1">
-              <a:lumMod val="85000"/>
-              <a:alpha val="50000"/>
-            </a:schemeClr>
-          </a:solidFill>
-          <a:ln>
-            <a:noFill/>
-          </a:ln>
-        </p:spPr>
-        <p:style>
-          <a:lnRef idx="0">
-            <a:scrgbClr r="0" g="0" b="0"/>
-          </a:lnRef>
-          <a:fillRef idx="0">
-            <a:scrgbClr r="0" g="0" b="0"/>
-          </a:fillRef>
-          <a:effectRef idx="0">
-            <a:scrgbClr r="0" g="0" b="0"/>
-          </a:effectRef>
-          <a:fontRef idx="minor">
-            <a:schemeClr val="lt1"/>
-          </a:fontRef>
-        </p:style>
-        <p:txBody>
-          <a:bodyPr rtlCol="0" anchor="ctr"/>
-          <a:lstStyle/>
-          <a:p>
-            <a:pPr algn="ctr"/>
-            <a:r>
-              <a:rPr lang="ko-KR" altLang="en-US" sz="2800" b="1" dirty="0" smtClean="0">
-                <a:solidFill>
-                  <a:srgbClr val="FF0066"/>
-                </a:solidFill>
-                <a:latin typeface="Arial" panose="020B0604020202020204" pitchFamily="34" charset="0"/>
-                <a:cs typeface="Arial" panose="020B0604020202020204" pitchFamily="34" charset="0"/>
-              </a:rPr>
-              <a:t>머신 러닝</a:t>
-            </a:r>
-            <a:r>
-              <a:rPr lang="en-US" altLang="ko-KR" sz="2800" b="1" dirty="0">
-                <a:solidFill>
-                  <a:srgbClr val="000000"/>
-                </a:solidFill>
-                <a:latin typeface="Arial" panose="020B0604020202020204" pitchFamily="34" charset="0"/>
-                <a:cs typeface="Arial" panose="020B0604020202020204" pitchFamily="34" charset="0"/>
-              </a:rPr>
-              <a:t> </a:t>
-            </a:r>
-            <a:r>
-              <a:rPr lang="ko-KR" altLang="en-US" sz="2800" b="1" dirty="0" smtClean="0">
-                <a:solidFill>
-                  <a:srgbClr val="000000"/>
-                </a:solidFill>
-                <a:latin typeface="Arial" panose="020B0604020202020204" pitchFamily="34" charset="0"/>
-                <a:cs typeface="Arial" panose="020B0604020202020204" pitchFamily="34" charset="0"/>
-              </a:rPr>
-              <a:t>및 </a:t>
-            </a:r>
-            <a:r>
-              <a:rPr lang="ko-KR" altLang="en-US" sz="2800" b="1" dirty="0" err="1" smtClean="0">
-                <a:solidFill>
-                  <a:srgbClr val="FF0066"/>
-                </a:solidFill>
-                <a:latin typeface="Arial" panose="020B0604020202020204" pitchFamily="34" charset="0"/>
-                <a:cs typeface="Arial" panose="020B0604020202020204" pitchFamily="34" charset="0"/>
-              </a:rPr>
-              <a:t>딥러닝</a:t>
-            </a:r>
-            <a:r>
-              <a:rPr lang="en-US" altLang="ko-KR" sz="2800" b="1" dirty="0" smtClean="0">
-                <a:solidFill>
-                  <a:srgbClr val="000000"/>
-                </a:solidFill>
-                <a:latin typeface="Arial" panose="020B0604020202020204" pitchFamily="34" charset="0"/>
-                <a:cs typeface="Arial" panose="020B0604020202020204" pitchFamily="34" charset="0"/>
-              </a:rPr>
-              <a:t>, </a:t>
-            </a:r>
-            <a:r>
-              <a:rPr lang="en-US" altLang="ko-KR" sz="2800" b="1" dirty="0" smtClean="0">
-                <a:solidFill>
-                  <a:srgbClr val="FF0066"/>
-                </a:solidFill>
-                <a:latin typeface="Arial" panose="020B0604020202020204" pitchFamily="34" charset="0"/>
-                <a:cs typeface="Arial" panose="020B0604020202020204" pitchFamily="34" charset="0"/>
-              </a:rPr>
-              <a:t>GIS</a:t>
-            </a:r>
-            <a:r>
-              <a:rPr lang="ko-KR" altLang="en-US" sz="2800" b="1" dirty="0" smtClean="0">
-                <a:solidFill>
-                  <a:srgbClr val="FF0066"/>
-                </a:solidFill>
-                <a:latin typeface="Arial" panose="020B0604020202020204" pitchFamily="34" charset="0"/>
-                <a:cs typeface="Arial" panose="020B0604020202020204" pitchFamily="34" charset="0"/>
-              </a:rPr>
-              <a:t>공간 분석</a:t>
-            </a:r>
-            <a:r>
-              <a:rPr lang="ko-KR" altLang="en-US" sz="2800" b="1" dirty="0" smtClean="0">
-                <a:solidFill>
-                  <a:srgbClr val="000000"/>
-                </a:solidFill>
-                <a:latin typeface="Arial" panose="020B0604020202020204" pitchFamily="34" charset="0"/>
-                <a:cs typeface="Arial" panose="020B0604020202020204" pitchFamily="34" charset="0"/>
-              </a:rPr>
-              <a:t> 등을 활용하여</a:t>
-            </a:r>
-            <a:endParaRPr lang="en-US" altLang="ko-KR" sz="2800" b="1" dirty="0" smtClean="0">
-              <a:solidFill>
-                <a:srgbClr val="000000"/>
-              </a:solidFill>
-              <a:latin typeface="Arial" panose="020B0604020202020204" pitchFamily="34" charset="0"/>
-              <a:cs typeface="Arial" panose="020B0604020202020204" pitchFamily="34" charset="0"/>
-            </a:endParaRPr>
-          </a:p>
-          <a:p>
-            <a:pPr algn="ctr"/>
-            <a:r>
-              <a:rPr lang="ko-KR" altLang="en-US" sz="2800" b="1" dirty="0" err="1" smtClean="0">
-                <a:solidFill>
-                  <a:srgbClr val="0070C0"/>
-                </a:solidFill>
-                <a:latin typeface="Arial" panose="020B0604020202020204" pitchFamily="34" charset="0"/>
-                <a:cs typeface="Arial" panose="020B0604020202020204" pitchFamily="34" charset="0"/>
-              </a:rPr>
-              <a:t>영세아</a:t>
-            </a:r>
-            <a:r>
-              <a:rPr lang="ko-KR" altLang="en-US" sz="2800" b="1" dirty="0" smtClean="0">
-                <a:solidFill>
-                  <a:srgbClr val="0070C0"/>
-                </a:solidFill>
-                <a:latin typeface="Arial" panose="020B0604020202020204" pitchFamily="34" charset="0"/>
-                <a:cs typeface="Arial" panose="020B0604020202020204" pitchFamily="34" charset="0"/>
-              </a:rPr>
-              <a:t> </a:t>
-            </a:r>
-            <a:r>
-              <a:rPr lang="ko-KR" altLang="en-US" sz="2800" b="1" dirty="0" err="1" smtClean="0">
-                <a:solidFill>
-                  <a:srgbClr val="0070C0"/>
-                </a:solidFill>
-                <a:latin typeface="Arial" panose="020B0604020202020204" pitchFamily="34" charset="0"/>
-                <a:cs typeface="Arial" panose="020B0604020202020204" pitchFamily="34" charset="0"/>
-              </a:rPr>
-              <a:t>어린이집의</a:t>
-            </a:r>
-            <a:r>
-              <a:rPr lang="ko-KR" altLang="en-US" sz="2800" b="1" dirty="0" smtClean="0">
-                <a:solidFill>
-                  <a:srgbClr val="0070C0"/>
-                </a:solidFill>
-                <a:latin typeface="Arial" panose="020B0604020202020204" pitchFamily="34" charset="0"/>
-                <a:cs typeface="Arial" panose="020B0604020202020204" pitchFamily="34" charset="0"/>
-              </a:rPr>
-              <a:t> 최적지</a:t>
-            </a:r>
-            <a:r>
-              <a:rPr lang="ko-KR" altLang="en-US" sz="2800" b="1" dirty="0" smtClean="0">
-                <a:solidFill>
-                  <a:srgbClr val="000000"/>
-                </a:solidFill>
-                <a:latin typeface="Arial" panose="020B0604020202020204" pitchFamily="34" charset="0"/>
-                <a:cs typeface="Arial" panose="020B0604020202020204" pitchFamily="34" charset="0"/>
-              </a:rPr>
-              <a:t>를 찾고자 함</a:t>
-            </a:r>
-            <a:endParaRPr lang="en-US" altLang="ko-KR" sz="2800" b="1" dirty="0" smtClean="0">
-              <a:solidFill>
-                <a:srgbClr val="000000"/>
-              </a:solidFill>
-              <a:latin typeface="Arial" panose="020B0604020202020204" pitchFamily="34" charset="0"/>
-              <a:cs typeface="Arial" panose="020B0604020202020204" pitchFamily="34" charset="0"/>
-            </a:endParaRPr>
-          </a:p>
-        </p:txBody>
-      </p:sp>
-    </p:spTree>
-    <p:extLst>
-      <p:ext uri="{BB962C8B-B14F-4D97-AF65-F5344CB8AC3E}">
-        <p14:creationId xmlns:p14="http://schemas.microsoft.com/office/powerpoint/2010/main" val="1138801726"/>
-      </p:ext>
-    </p:extLst>
-  </p:cSld>
-  <p:clrMapOvr>
-    <a:masterClrMapping/>
-  </p:clrMapOvr>
-  <p:timing>
-    <p:tnLst>
-      <p:par>
-        <p:cTn id="1" dur="indefinite" restart="never" nodeType="tmRoot">
-          <p:childTnLst>
-            <p:seq concurrent="1" nextAc="seek">
-              <p:cTn id="2" dur="indefinite" nodeType="mainSeq">
-                <p:childTnLst>
-                  <p:par>
-                    <p:cTn id="3" fill="hold">
-                      <p:stCondLst>
-                        <p:cond delay="indefinite"/>
-                      </p:stCondLst>
-                      <p:childTnLst>
-                        <p:par>
-                          <p:cTn id="4" fill="hold">
-                            <p:stCondLst>
-                              <p:cond delay="0"/>
-                            </p:stCondLst>
-                            <p:childTnLst>
-                              <p:par>
-                                <p:cTn id="5" presetID="1" presetClass="entr" presetSubtype="0" fill="hold" grpId="0" nodeType="clickEffect">
-                                  <p:stCondLst>
-                                    <p:cond delay="0"/>
-                                  </p:stCondLst>
-                                  <p:childTnLst>
-                                    <p:set>
-                                      <p:cBhvr>
-                                        <p:cTn id="6" dur="1" fill="hold">
-                                          <p:stCondLst>
-                                            <p:cond delay="0"/>
-                                          </p:stCondLst>
-                                        </p:cTn>
-                                        <p:tgtEl>
-                                          <p:spTgt spid="10"/>
-                                        </p:tgtEl>
-                                        <p:attrNameLst>
-                                          <p:attrName>style.visibility</p:attrName>
-                                        </p:attrNameLst>
-                                      </p:cBhvr>
-                                      <p:to>
-                                        <p:strVal val="visible"/>
-                                      </p:to>
-                                    </p:set>
-                                  </p:childTnLst>
-                                </p:cTn>
-                              </p:par>
-                            </p:childTnLst>
-                          </p:cTn>
-                        </p:par>
-                      </p:childTnLst>
-                    </p:cTn>
-                  </p:par>
-                </p:childTnLst>
-              </p:cTn>
-              <p:prevCondLst>
-                <p:cond evt="onPrev" delay="0">
-                  <p:tgtEl>
-                    <p:sldTgt/>
-                  </p:tgtEl>
-                </p:cond>
-              </p:prevCondLst>
-              <p:nextCondLst>
-                <p:cond evt="onNext" delay="0">
-                  <p:tgtEl>
-                    <p:sldTgt/>
-                  </p:tgtEl>
-                </p:cond>
-              </p:nextCondLst>
-            </p:seq>
-          </p:childTnLst>
-        </p:cTn>
-      </p:par>
-    </p:tnLst>
-    <p:bldLst>
-      <p:bldP spid="10" grpId="0" animBg="1"/>
-    </p:bldLst>
-  </p:timing>
-</p:sld>
-</file>
-
-<file path=ppt/slides/slide9.xml><?xml version="1.0" encoding="utf-8"?>
-<p:sld xmlns:a="http://schemas.openxmlformats.org/drawingml/2006/main" xmlns:r="http://schemas.openxmlformats.org/officeDocument/2006/relationships" xmlns:p="http://schemas.openxmlformats.org/presentationml/2006/main">
-  <p:cSld>
-    <p:spTree>
-      <p:nvGrpSpPr>
-        <p:cNvPr id="1" name=""/>
-        <p:cNvGrpSpPr/>
-        <p:nvPr/>
-      </p:nvGrpSpPr>
-      <p:grpSpPr>
-        <a:xfrm>
-          <a:off x="0" y="0"/>
-          <a:ext cx="0" cy="0"/>
-          <a:chOff x="0" y="0"/>
-          <a:chExt cx="0" cy="0"/>
-        </a:xfrm>
-      </p:grpSpPr>
-      <p:sp>
-        <p:nvSpPr>
-          <p:cNvPr id="9" name="직사각형 8"/>
-          <p:cNvSpPr/>
-          <p:nvPr/>
-        </p:nvSpPr>
-        <p:spPr>
-          <a:xfrm>
-            <a:off x="0" y="34504"/>
-            <a:ext cx="3379451" cy="523220"/>
-          </a:xfrm>
-          <a:prstGeom prst="rect">
-            <a:avLst/>
-          </a:prstGeom>
-        </p:spPr>
-        <p:txBody>
-          <a:bodyPr wrap="none">
-            <a:spAutoFit/>
-          </a:bodyPr>
-          <a:lstStyle/>
-          <a:p>
-            <a:r>
-              <a:rPr lang="en-US" altLang="ko-KR" sz="2800" b="1" dirty="0" smtClean="0">
-                <a:latin typeface="+mj-lt"/>
-              </a:rPr>
-              <a:t>1-2. </a:t>
-            </a:r>
-            <a:r>
-              <a:rPr lang="ko-KR" altLang="en-US" sz="2800" b="1" dirty="0" smtClean="0">
-                <a:latin typeface="+mj-lt"/>
-              </a:rPr>
-              <a:t>분석 </a:t>
-            </a:r>
-            <a:r>
-              <a:rPr lang="ko-KR" altLang="en-US" sz="2800" b="1" dirty="0" smtClean="0">
-                <a:latin typeface="+mj-lt"/>
-              </a:rPr>
-              <a:t>기법 소개</a:t>
+              <a:t>분석 기법 소개</a:t>
             </a:r>
             <a:endParaRPr lang="en-US" altLang="ko-KR" sz="2800" b="1" dirty="0">
               <a:latin typeface="+mj-lt"/>
@@ -12701,6 +12126,129 @@
 </p:sld>
 </file>
 
+<file path=ppt/slides/slide9.xml><?xml version="1.0" encoding="utf-8"?>
+<p:sld xmlns:a="http://schemas.openxmlformats.org/drawingml/2006/main" xmlns:r="http://schemas.openxmlformats.org/officeDocument/2006/relationships" xmlns:p="http://schemas.openxmlformats.org/presentationml/2006/main">
+  <p:cSld>
+    <p:spTree>
+      <p:nvGrpSpPr>
+        <p:cNvPr id="1" name=""/>
+        <p:cNvGrpSpPr/>
+        <p:nvPr/>
+      </p:nvGrpSpPr>
+      <p:grpSpPr>
+        <a:xfrm>
+          <a:off x="0" y="0"/>
+          <a:ext cx="0" cy="0"/>
+          <a:chOff x="0" y="0"/>
+          <a:chExt cx="0" cy="0"/>
+        </a:xfrm>
+      </p:grpSpPr>
+      <p:pic>
+        <p:nvPicPr>
+          <p:cNvPr id="1026" name="Picture 2" descr="http://www.userlogos.org/files/backgrounds/Mafia_Penguin/magnetic-field-lines.jpg"/>
+          <p:cNvPicPr>
+            <a:picLocks noChangeAspect="1" noChangeArrowheads="1"/>
+          </p:cNvPicPr>
+          <p:nvPr/>
+        </p:nvPicPr>
+        <p:blipFill>
+          <a:blip r:embed="rId2" cstate="print">
+            <a:clrChange>
+              <a:clrFrom>
+                <a:srgbClr val="01090B"/>
+              </a:clrFrom>
+              <a:clrTo>
+                <a:srgbClr val="01090B">
+                  <a:alpha val="0"/>
+                </a:srgbClr>
+              </a:clrTo>
+            </a:clrChange>
+            <a:extLst>
+              <a:ext uri="{28A0092B-C50C-407E-A947-70E740481C1C}">
+                <a14:useLocalDpi xmlns:a14="http://schemas.microsoft.com/office/drawing/2010/main" val="0"/>
+              </a:ext>
+            </a:extLst>
+          </a:blip>
+          <a:srcRect/>
+          <a:stretch>
+            <a:fillRect/>
+          </a:stretch>
+        </p:blipFill>
+        <p:spPr bwMode="auto">
+          <a:xfrm>
+            <a:off x="5965732" y="0"/>
+            <a:ext cx="6226268" cy="4669701"/>
+          </a:xfrm>
+          <a:prstGeom prst="rect">
+            <a:avLst/>
+          </a:prstGeom>
+          <a:noFill/>
+          <a:extLst>
+            <a:ext uri="{909E8E84-426E-40DD-AFC4-6F175D3DCCD1}">
+              <a14:hiddenFill xmlns:a14="http://schemas.microsoft.com/office/drawing/2010/main">
+                <a:solidFill>
+                  <a:srgbClr val="FFFFFF"/>
+                </a:solidFill>
+              </a14:hiddenFill>
+            </a:ext>
+          </a:extLst>
+        </p:spPr>
+      </p:pic>
+      <p:sp>
+        <p:nvSpPr>
+          <p:cNvPr id="7" name="TextBox 6"/>
+          <p:cNvSpPr txBox="1"/>
+          <p:nvPr/>
+        </p:nvSpPr>
+        <p:spPr>
+          <a:xfrm>
+            <a:off x="1415480" y="3436094"/>
+            <a:ext cx="7409401" cy="1446550"/>
+          </a:xfrm>
+          <a:prstGeom prst="rect">
+            <a:avLst/>
+          </a:prstGeom>
+          <a:noFill/>
+        </p:spPr>
+        <p:txBody>
+          <a:bodyPr wrap="none" rtlCol="0">
+            <a:spAutoFit/>
+          </a:bodyPr>
+          <a:lstStyle/>
+          <a:p>
+            <a:pPr algn="r"/>
+            <a:r>
+              <a:rPr lang="en-US" sz="8800" dirty="0" smtClean="0">
+                <a:latin typeface="Impact" panose="020B0806030902050204" pitchFamily="34" charset="0"/>
+              </a:rPr>
+              <a:t>THANK YOU, BYE!</a:t>
+            </a:r>
+            <a:endParaRPr lang="en-US" sz="8800" dirty="0">
+              <a:latin typeface="Impact" panose="020B0806030902050204" pitchFamily="34" charset="0"/>
+            </a:endParaRPr>
+          </a:p>
+        </p:txBody>
+      </p:sp>
+    </p:spTree>
+    <p:extLst>
+      <p:ext uri="{BB962C8B-B14F-4D97-AF65-F5344CB8AC3E}">
+        <p14:creationId xmlns:p14="http://schemas.microsoft.com/office/powerpoint/2010/main" val="1121797827"/>
+      </p:ext>
+    </p:extLst>
+  </p:cSld>
+  <p:clrMapOvr>
+    <a:masterClrMapping/>
+  </p:clrMapOvr>
+  <p:timing>
+    <p:tnLst>
+      <p:par>
+        <p:cTn id="1" dur="indefinite" restart="never" nodeType="tmRoot"/>
+      </p:par>
+    </p:tnLst>
+  </p:timing>
+</p:sld>
+</file>
+
 <file path=ppt/theme/theme1.xml><?xml version="1.0" encoding="utf-8"?>
 <a:theme xmlns:a="http://schemas.openxmlformats.org/drawingml/2006/main" name="Office 테마">
   <a:themeElements>

--- a/통계 빅데이터 공모전_2019/ppt/주제발표(1조)_JWP.pptx
+++ b/통계 빅데이터 공모전_2019/ppt/주제발표(1조)_JWP.pptx
@@ -3810,7 +3810,17 @@
                 <a:latin typeface="Arial" panose="020B0604020202020204" pitchFamily="34" charset="0"/>
                 <a:cs typeface="Arial" panose="020B0604020202020204" pitchFamily="34" charset="0"/>
               </a:rPr>
-              <a:t>프로젝트 배경 및 데이터 수집</a:t>
+              <a:t>프로젝트 </a:t>
+            </a:r>
+            <a:r>
+              <a:rPr lang="ko-KR" altLang="en-US" b="1" dirty="0" smtClean="0">
+                <a:solidFill>
+                  <a:srgbClr val="FF0066"/>
+                </a:solidFill>
+                <a:latin typeface="Arial" panose="020B0604020202020204" pitchFamily="34" charset="0"/>
+                <a:cs typeface="Arial" panose="020B0604020202020204" pitchFamily="34" charset="0"/>
+              </a:rPr>
+              <a:t>배경</a:t>
             </a:r>
             <a:r>
               <a:rPr lang="en-US" altLang="ko-KR" b="1" dirty="0" smtClean="0">
@@ -3820,7 +3830,7 @@
                 <a:latin typeface="Arial" panose="020B0604020202020204" pitchFamily="34" charset="0"/>
                 <a:cs typeface="Arial" panose="020B0604020202020204" pitchFamily="34" charset="0"/>
               </a:rPr>
-              <a:t>, </a:t>
+              <a:t>,</a:t>
             </a:r>
             <a:r>
               <a:rPr lang="ko-KR" altLang="en-US" b="1" dirty="0" smtClean="0">
@@ -3830,7 +3840,37 @@
                 <a:latin typeface="Arial" panose="020B0604020202020204" pitchFamily="34" charset="0"/>
                 <a:cs typeface="Arial" panose="020B0604020202020204" pitchFamily="34" charset="0"/>
               </a:rPr>
-              <a:t>분석 방법 소개</a:t>
+              <a:t> 데이터 및</a:t>
+            </a:r>
+            <a:r>
+              <a:rPr lang="en-US" altLang="ko-KR" b="1" dirty="0" smtClean="0">
+                <a:solidFill>
+                  <a:srgbClr val="FF0066"/>
+                </a:solidFill>
+                <a:latin typeface="Arial" panose="020B0604020202020204" pitchFamily="34" charset="0"/>
+                <a:cs typeface="Arial" panose="020B0604020202020204" pitchFamily="34" charset="0"/>
+              </a:rPr>
+              <a:t> </a:t>
+            </a:r>
+            <a:r>
+              <a:rPr lang="ko-KR" altLang="en-US" b="1" dirty="0" smtClean="0">
+                <a:solidFill>
+                  <a:srgbClr val="FF0066"/>
+                </a:solidFill>
+                <a:latin typeface="Arial" panose="020B0604020202020204" pitchFamily="34" charset="0"/>
+                <a:cs typeface="Arial" panose="020B0604020202020204" pitchFamily="34" charset="0"/>
+              </a:rPr>
+              <a:t>프로젝트 계획 </a:t>
+            </a:r>
+            <a:r>
+              <a:rPr lang="ko-KR" altLang="en-US" b="1" dirty="0" smtClean="0">
+                <a:solidFill>
+                  <a:srgbClr val="FF0066"/>
+                </a:solidFill>
+                <a:latin typeface="Arial" panose="020B0604020202020204" pitchFamily="34" charset="0"/>
+                <a:cs typeface="Arial" panose="020B0604020202020204" pitchFamily="34" charset="0"/>
+              </a:rPr>
+              <a:t>소개</a:t>
             </a:r>
             <a:endParaRPr lang="en-US" altLang="ko-KR" b="1" dirty="0" smtClean="0">
               <a:solidFill>
@@ -7643,6 +7683,16 @@
             <a:p>
               <a:pPr algn="ctr"/>
               <a:r>
+                <a:rPr lang="ko-KR" altLang="en-US" sz="2800" b="1" dirty="0" err="1" smtClean="0">
+                  <a:solidFill>
+                    <a:schemeClr val="tx1"/>
+                  </a:solidFill>
+                  <a:latin typeface="Arial" panose="020B0604020202020204" pitchFamily="34" charset="0"/>
+                  <a:cs typeface="Arial" panose="020B0604020202020204" pitchFamily="34" charset="0"/>
+                </a:rPr>
+                <a:t>어린이집</a:t>
+              </a:r>
+              <a:r>
                 <a:rPr lang="ko-KR" altLang="en-US" sz="2800" b="1" dirty="0" smtClean="0">
                   <a:solidFill>
                     <a:schemeClr val="tx1"/>
@@ -7650,7 +7700,17 @@
                   <a:latin typeface="Arial" panose="020B0604020202020204" pitchFamily="34" charset="0"/>
                   <a:cs typeface="Arial" panose="020B0604020202020204" pitchFamily="34" charset="0"/>
                 </a:rPr>
-                <a:t>주요 관심사 </a:t>
+                <a:t> 만족도 </a:t>
+              </a:r>
+              <a:r>
+                <a:rPr lang="en-US" altLang="ko-KR" sz="2800" b="1" dirty="0" smtClean="0">
+                  <a:solidFill>
+                    <a:schemeClr val="tx1"/>
+                  </a:solidFill>
+                  <a:latin typeface="Arial" panose="020B0604020202020204" pitchFamily="34" charset="0"/>
+                  <a:cs typeface="Arial" panose="020B0604020202020204" pitchFamily="34" charset="0"/>
+                </a:rPr>
+                <a:t>:</a:t>
               </a:r>
               <a:r>
                 <a:rPr lang="en-US" altLang="ko-KR" sz="2800" b="1" dirty="0" smtClean="0">
@@ -7660,45 +7720,8 @@
                   <a:latin typeface="Arial" panose="020B0604020202020204" pitchFamily="34" charset="0"/>
                   <a:cs typeface="Arial" panose="020B0604020202020204" pitchFamily="34" charset="0"/>
                 </a:rPr>
-                <a:t>2</a:t>
+                <a:t> 4.15</a:t>
               </a:r>
-              <a:r>
-                <a:rPr lang="ko-KR" altLang="en-US" sz="2800" b="1" dirty="0" smtClean="0">
-                  <a:solidFill>
-                    <a:srgbClr val="FF0066"/>
-                  </a:solidFill>
-                  <a:latin typeface="Arial" panose="020B0604020202020204" pitchFamily="34" charset="0"/>
-                  <a:cs typeface="Arial" panose="020B0604020202020204" pitchFamily="34" charset="0"/>
-                </a:rPr>
-                <a:t>위 </a:t>
-              </a:r>
-              <a:r>
-                <a:rPr lang="en-US" altLang="ko-KR" sz="2800" b="1" dirty="0" smtClean="0">
-                  <a:solidFill>
-                    <a:srgbClr val="FF0066"/>
-                  </a:solidFill>
-                  <a:latin typeface="Arial" panose="020B0604020202020204" pitchFamily="34" charset="0"/>
-                  <a:cs typeface="Arial" panose="020B0604020202020204" pitchFamily="34" charset="0"/>
-                </a:rPr>
-                <a:t>: </a:t>
-              </a:r>
-              <a:r>
-                <a:rPr lang="ko-KR" altLang="en-US" sz="2800" b="1" dirty="0" smtClean="0">
-                  <a:solidFill>
-                    <a:srgbClr val="FF0066"/>
-                  </a:solidFill>
-                  <a:latin typeface="Arial" panose="020B0604020202020204" pitchFamily="34" charset="0"/>
-                  <a:cs typeface="Arial" panose="020B0604020202020204" pitchFamily="34" charset="0"/>
-                </a:rPr>
-                <a:t>육아</a:t>
-              </a:r>
-              <a:endParaRPr lang="en-US" altLang="ko-KR" sz="2800" b="1" dirty="0" smtClean="0">
-                <a:solidFill>
-                  <a:srgbClr val="FF0066"/>
-                </a:solidFill>
-                <a:latin typeface="Arial" panose="020B0604020202020204" pitchFamily="34" charset="0"/>
-                <a:cs typeface="Arial" panose="020B0604020202020204" pitchFamily="34" charset="0"/>
-              </a:endParaRPr>
             </a:p>
           </p:txBody>
         </p:sp>
@@ -7755,17 +7778,7 @@
                   <a:latin typeface="Arial" panose="020B0604020202020204" pitchFamily="34" charset="0"/>
                   <a:cs typeface="Arial" panose="020B0604020202020204" pitchFamily="34" charset="0"/>
                 </a:rPr>
-                <a:t>전국 </a:t>
-              </a:r>
-              <a:r>
-                <a:rPr lang="en-US" altLang="ko-KR" sz="2800" b="1" dirty="0" smtClean="0">
-                  <a:solidFill>
-                    <a:schemeClr val="tx1"/>
-                  </a:solidFill>
-                  <a:latin typeface="Arial" panose="020B0604020202020204" pitchFamily="34" charset="0"/>
-                  <a:cs typeface="Arial" panose="020B0604020202020204" pitchFamily="34" charset="0"/>
-                </a:rPr>
-                <a:t>34.6%, </a:t>
+                <a:t>이용자</a:t>
               </a:r>
               <a:r>
                 <a:rPr lang="ko-KR" altLang="en-US" sz="2800" b="1" dirty="0" smtClean="0">
@@ -7775,7 +7788,7 @@
                   <a:latin typeface="Arial" panose="020B0604020202020204" pitchFamily="34" charset="0"/>
                   <a:cs typeface="Arial" panose="020B0604020202020204" pitchFamily="34" charset="0"/>
                 </a:rPr>
-                <a:t>서울 </a:t>
+                <a:t> </a:t>
               </a:r>
               <a:r>
                 <a:rPr lang="en-US" altLang="ko-KR" sz="2800" b="1" dirty="0" smtClean="0">
@@ -7785,8 +7798,25 @@
                   <a:latin typeface="Arial" panose="020B0604020202020204" pitchFamily="34" charset="0"/>
                   <a:cs typeface="Arial" panose="020B0604020202020204" pitchFamily="34" charset="0"/>
                 </a:rPr>
-                <a:t>30.4%</a:t>
+                <a:t>87.2% </a:t>
               </a:r>
+              <a:r>
+                <a:rPr lang="ko-KR" altLang="en-US" sz="2800" b="1" dirty="0" smtClean="0">
+                  <a:solidFill>
+                    <a:srgbClr val="FF0066"/>
+                  </a:solidFill>
+                  <a:latin typeface="Arial" panose="020B0604020202020204" pitchFamily="34" charset="0"/>
+                  <a:cs typeface="Arial" panose="020B0604020202020204" pitchFamily="34" charset="0"/>
+                </a:rPr>
+                <a:t>만족</a:t>
+              </a:r>
+              <a:endParaRPr lang="en-US" altLang="ko-KR" sz="2800" b="1" dirty="0" smtClean="0">
+                <a:solidFill>
+                  <a:srgbClr val="FF0066"/>
+                </a:solidFill>
+                <a:latin typeface="Arial" panose="020B0604020202020204" pitchFamily="34" charset="0"/>
+                <a:cs typeface="Arial" panose="020B0604020202020204" pitchFamily="34" charset="0"/>
+              </a:endParaRPr>
             </a:p>
           </p:txBody>
         </p:sp>
@@ -10336,7 +10366,7 @@
         <p:spPr>
           <a:xfrm>
             <a:off x="0" y="34504"/>
-            <a:ext cx="3379451" cy="523220"/>
+            <a:ext cx="3252814" cy="523220"/>
           </a:xfrm>
           <a:prstGeom prst="rect">
             <a:avLst/>
@@ -10358,7 +10388,13 @@
               <a:rPr lang="ko-KR" altLang="en-US" sz="2800" b="1" dirty="0" smtClean="0">
                 <a:latin typeface="+mj-lt"/>
               </a:rPr>
-              <a:t>분석 기법 소개</a:t>
+              <a:t>프로젝트</a:t>
+            </a:r>
+            <a:r>
+              <a:rPr lang="ko-KR" altLang="en-US" sz="2800" b="1" dirty="0" smtClean="0">
+                <a:latin typeface="+mj-lt"/>
+              </a:rPr>
+              <a:t> 계획</a:t>
             </a:r>
             <a:endParaRPr lang="en-US" altLang="ko-KR" sz="2800" b="1" dirty="0">
               <a:latin typeface="+mj-lt"/>
@@ -10419,17 +10455,17 @@
                 <a:latin typeface="Arial" panose="020B0604020202020204" pitchFamily="34" charset="0"/>
                 <a:cs typeface="Arial" panose="020B0604020202020204" pitchFamily="34" charset="0"/>
               </a:rPr>
-              <a:t>NLP, Static </a:t>
-            </a:r>
-            <a:r>
-              <a:rPr lang="en-US" altLang="ko-KR" sz="2600" b="1" dirty="0" err="1" smtClean="0">
+              <a:t>NLP, </a:t>
+            </a:r>
+            <a:r>
+              <a:rPr lang="en-US" altLang="ko-KR" sz="2600" b="1" dirty="0" smtClean="0">
                 <a:solidFill>
                   <a:srgbClr val="FF0066"/>
                 </a:solidFill>
                 <a:latin typeface="Arial" panose="020B0604020202020204" pitchFamily="34" charset="0"/>
                 <a:cs typeface="Arial" panose="020B0604020202020204" pitchFamily="34" charset="0"/>
               </a:rPr>
-              <a:t>Anlysis</a:t>
+              <a:t>Statistical Analysis</a:t>
             </a:r>
             <a:r>
               <a:rPr lang="en-US" altLang="ko-KR" sz="2600" b="1" dirty="0" smtClean="0">
@@ -10439,17 +10475,7 @@
                 <a:latin typeface="Arial" panose="020B0604020202020204" pitchFamily="34" charset="0"/>
                 <a:cs typeface="Arial" panose="020B0604020202020204" pitchFamily="34" charset="0"/>
               </a:rPr>
-              <a:t>, </a:t>
-            </a:r>
-            <a:r>
-              <a:rPr lang="ko-KR" altLang="en-US" sz="2600" b="1" dirty="0" err="1" smtClean="0">
-                <a:solidFill>
-                  <a:srgbClr val="FF0066"/>
-                </a:solidFill>
-                <a:latin typeface="Arial" panose="020B0604020202020204" pitchFamily="34" charset="0"/>
-                <a:cs typeface="Arial" panose="020B0604020202020204" pitchFamily="34" charset="0"/>
-              </a:rPr>
-              <a:t>딥러닝</a:t>
+              <a:t>, Machine Learning</a:t>
             </a:r>
             <a:r>
               <a:rPr lang="ko-KR" altLang="en-US" sz="2600" b="1" dirty="0" smtClean="0">
@@ -11484,7 +11510,7 @@
                     <a:latin typeface="Arial" panose="020B0604020202020204" pitchFamily="34" charset="0"/>
                     <a:cs typeface="Arial" panose="020B0604020202020204" pitchFamily="34" charset="0"/>
                   </a:rPr>
-                  <a:t>Deep Learning</a:t>
+                  <a:t>Machine Learning</a:t>
                 </a:r>
                 <a:endParaRPr lang="ko-KR" altLang="en-US" sz="1800" b="1" dirty="0">
                   <a:latin typeface="Arial" panose="020B0604020202020204" pitchFamily="34" charset="0"/>
